--- a/lab1/lab1.pptx
+++ b/lab1/lab1.pptx
@@ -4515,13 +4515,13 @@
               <a:rPr lang="en-US" dirty="0">
                 <a:hlinkClick r:id="rId4"/>
               </a:rPr>
-              <a:t>https://</a:t>
+              <a:t>https</a:t>
             </a:r>
             <a:r>
               <a:rPr lang="en-US" dirty="0" smtClean="0">
                 <a:hlinkClick r:id="rId4"/>
               </a:rPr>
-              <a:t>fayoum-university-fci.slack.com</a:t>
+              <a:t>://fu-fci-2nd-year.slack.com</a:t>
             </a:r>
             <a:endParaRPr lang="en-US" dirty="0" smtClean="0"/>
           </a:p>
